--- a/Day-5-Session-3-5.1-Maintain-Tr_Equpment.pptx
+++ b/Day-5-Session-3-5.1-Maintain-Tr_Equpment.pptx
@@ -215,7 +215,7 @@
           <a:p>
             <a:fld id="{A9866D51-3D17-4C18-A67C-C55410FC496D}" type="datetimeFigureOut">
               <a:rPr lang="en-US" smtClean="0"/>
-              <a:t>3/26/2022</a:t>
+              <a:t>8/7/2022</a:t>
             </a:fld>
             <a:endParaRPr lang="en-US"/>
           </a:p>
@@ -5736,7 +5736,7 @@
           <a:p>
             <a:fld id="{AC4E08D7-BA6F-4F7C-91D6-517AC824B36D}" type="datetimeFigureOut">
               <a:rPr lang="en-US" smtClean="0"/>
-              <a:t>3/26/2022</a:t>
+              <a:t>8/7/2022</a:t>
             </a:fld>
             <a:endParaRPr lang="en-US"/>
           </a:p>
@@ -6032,7 +6032,7 @@
           <a:p>
             <a:fld id="{AC4E08D7-BA6F-4F7C-91D6-517AC824B36D}" type="datetimeFigureOut">
               <a:rPr lang="en-US" smtClean="0"/>
-              <a:t>3/26/2022</a:t>
+              <a:t>8/7/2022</a:t>
             </a:fld>
             <a:endParaRPr lang="en-US"/>
           </a:p>
@@ -6280,7 +6280,7 @@
           <a:p>
             <a:fld id="{AC4E08D7-BA6F-4F7C-91D6-517AC824B36D}" type="datetimeFigureOut">
               <a:rPr lang="en-US" smtClean="0"/>
-              <a:t>3/26/2022</a:t>
+              <a:t>8/7/2022</a:t>
             </a:fld>
             <a:endParaRPr lang="en-US"/>
           </a:p>
@@ -6820,7 +6820,7 @@
           <a:p>
             <a:fld id="{AC4E08D7-BA6F-4F7C-91D6-517AC824B36D}" type="datetimeFigureOut">
               <a:rPr lang="en-US" smtClean="0"/>
-              <a:t>3/26/2022</a:t>
+              <a:t>8/7/2022</a:t>
             </a:fld>
             <a:endParaRPr lang="en-US"/>
           </a:p>
@@ -7068,7 +7068,7 @@
           <a:p>
             <a:fld id="{AC4E08D7-BA6F-4F7C-91D6-517AC824B36D}" type="datetimeFigureOut">
               <a:rPr lang="en-US" smtClean="0"/>
-              <a:t>3/26/2022</a:t>
+              <a:t>8/7/2022</a:t>
             </a:fld>
             <a:endParaRPr lang="en-US"/>
           </a:p>
@@ -7600,7 +7600,7 @@
           <a:p>
             <a:fld id="{AC4E08D7-BA6F-4F7C-91D6-517AC824B36D}" type="datetimeFigureOut">
               <a:rPr lang="en-US" smtClean="0"/>
-              <a:t>3/26/2022</a:t>
+              <a:t>8/7/2022</a:t>
             </a:fld>
             <a:endParaRPr lang="en-US"/>
           </a:p>
@@ -7897,7 +7897,7 @@
           <a:p>
             <a:fld id="{AC4E08D7-BA6F-4F7C-91D6-517AC824B36D}" type="datetimeFigureOut">
               <a:rPr lang="en-US" smtClean="0"/>
-              <a:t>3/26/2022</a:t>
+              <a:t>8/7/2022</a:t>
             </a:fld>
             <a:endParaRPr lang="en-US"/>
           </a:p>
@@ -8071,7 +8071,7 @@
           <a:p>
             <a:fld id="{AC4E08D7-BA6F-4F7C-91D6-517AC824B36D}" type="datetimeFigureOut">
               <a:rPr lang="en-US" smtClean="0"/>
-              <a:t>3/26/2022</a:t>
+              <a:t>8/7/2022</a:t>
             </a:fld>
             <a:endParaRPr lang="en-US"/>
           </a:p>
@@ -8251,7 +8251,7 @@
           <a:p>
             <a:fld id="{AC4E08D7-BA6F-4F7C-91D6-517AC824B36D}" type="datetimeFigureOut">
               <a:rPr lang="en-US" smtClean="0"/>
-              <a:t>3/26/2022</a:t>
+              <a:t>8/7/2022</a:t>
             </a:fld>
             <a:endParaRPr lang="en-US"/>
           </a:p>
@@ -8421,7 +8421,7 @@
           <a:p>
             <a:fld id="{AC4E08D7-BA6F-4F7C-91D6-517AC824B36D}" type="datetimeFigureOut">
               <a:rPr lang="en-US" smtClean="0"/>
-              <a:t>3/26/2022</a:t>
+              <a:t>8/7/2022</a:t>
             </a:fld>
             <a:endParaRPr lang="en-US"/>
           </a:p>
@@ -8672,7 +8672,7 @@
           <a:p>
             <a:fld id="{AC4E08D7-BA6F-4F7C-91D6-517AC824B36D}" type="datetimeFigureOut">
               <a:rPr lang="en-US" smtClean="0"/>
-              <a:t>3/26/2022</a:t>
+              <a:t>8/7/2022</a:t>
             </a:fld>
             <a:endParaRPr lang="en-US"/>
           </a:p>
@@ -8969,7 +8969,7 @@
           <a:p>
             <a:fld id="{AC4E08D7-BA6F-4F7C-91D6-517AC824B36D}" type="datetimeFigureOut">
               <a:rPr lang="en-US" smtClean="0"/>
-              <a:t>3/26/2022</a:t>
+              <a:t>8/7/2022</a:t>
             </a:fld>
             <a:endParaRPr lang="en-US"/>
           </a:p>
@@ -9411,7 +9411,7 @@
           <a:p>
             <a:fld id="{AC4E08D7-BA6F-4F7C-91D6-517AC824B36D}" type="datetimeFigureOut">
               <a:rPr lang="en-US" smtClean="0"/>
-              <a:t>3/26/2022</a:t>
+              <a:t>8/7/2022</a:t>
             </a:fld>
             <a:endParaRPr lang="en-US"/>
           </a:p>
@@ -9529,7 +9529,7 @@
           <a:p>
             <a:fld id="{AC4E08D7-BA6F-4F7C-91D6-517AC824B36D}" type="datetimeFigureOut">
               <a:rPr lang="en-US" smtClean="0"/>
-              <a:t>3/26/2022</a:t>
+              <a:t>8/7/2022</a:t>
             </a:fld>
             <a:endParaRPr lang="en-US"/>
           </a:p>
@@ -9624,7 +9624,7 @@
           <a:p>
             <a:fld id="{AC4E08D7-BA6F-4F7C-91D6-517AC824B36D}" type="datetimeFigureOut">
               <a:rPr lang="en-US" smtClean="0"/>
-              <a:t>3/26/2022</a:t>
+              <a:t>8/7/2022</a:t>
             </a:fld>
             <a:endParaRPr lang="en-US"/>
           </a:p>
@@ -9907,7 +9907,7 @@
           <a:p>
             <a:fld id="{AC4E08D7-BA6F-4F7C-91D6-517AC824B36D}" type="datetimeFigureOut">
               <a:rPr lang="en-US" smtClean="0"/>
-              <a:t>3/26/2022</a:t>
+              <a:t>8/7/2022</a:t>
             </a:fld>
             <a:endParaRPr lang="en-US"/>
           </a:p>
@@ -10198,7 +10198,7 @@
           <a:p>
             <a:fld id="{AC4E08D7-BA6F-4F7C-91D6-517AC824B36D}" type="datetimeFigureOut">
               <a:rPr lang="en-US" smtClean="0"/>
-              <a:t>3/26/2022</a:t>
+              <a:t>8/7/2022</a:t>
             </a:fld>
             <a:endParaRPr lang="en-US"/>
           </a:p>
@@ -10728,7 +10728,7 @@
           <a:p>
             <a:fld id="{AC4E08D7-BA6F-4F7C-91D6-517AC824B36D}" type="datetimeFigureOut">
               <a:rPr lang="en-US" smtClean="0"/>
-              <a:t>3/26/2022</a:t>
+              <a:t>8/7/2022</a:t>
             </a:fld>
             <a:endParaRPr lang="en-US"/>
           </a:p>
@@ -14764,7 +14764,7 @@
           <p:nvPr>
             <p:extLst>
               <p:ext uri="{D42A27DB-BD31-4B8C-83A1-F6EECF244321}">
-                <p14:modId xmlns:p14="http://schemas.microsoft.com/office/powerpoint/2010/main" val="2873298033"/>
+                <p14:modId xmlns:p14="http://schemas.microsoft.com/office/powerpoint/2010/main" val="111877580"/>
               </p:ext>
             </p:extLst>
           </p:nvPr>
@@ -14891,9 +14891,10 @@
                     <a:lstStyle/>
                     <a:p>
                       <a:r>
-                        <a:rPr lang="en-US" sz="3200" dirty="0"/>
-                        <a:t>Short</a:t>
+                        <a:rPr lang="en-US" sz="3200"/>
+                        <a:t>Sort</a:t>
                       </a:r>
+                      <a:endParaRPr lang="en-US" sz="3200" dirty="0"/>
                     </a:p>
                   </a:txBody>
                   <a:tcPr/>
